--- a/shwetha/ML Python Toolkit.pptx
+++ b/shwetha/ML Python Toolkit.pptx
@@ -19,21 +19,22 @@
     <p:sldId id="264" r:id="rId13"/>
     <p:sldId id="265" r:id="rId14"/>
     <p:sldId id="266" r:id="rId15"/>
+    <p:sldId id="267" r:id="rId16"/>
   </p:sldIdLst>
   <p:sldSz cy="5143500" cx="9144000"/>
   <p:notesSz cx="6858000" cy="9144000"/>
   <p:embeddedFontLst>
     <p:embeddedFont>
       <p:font typeface="Roboto Slab"/>
-      <p:regular r:id="rId16"/>
-      <p:bold r:id="rId17"/>
+      <p:regular r:id="rId17"/>
+      <p:bold r:id="rId18"/>
     </p:embeddedFont>
     <p:embeddedFont>
       <p:font typeface="Roboto"/>
-      <p:regular r:id="rId18"/>
-      <p:bold r:id="rId19"/>
-      <p:italic r:id="rId20"/>
-      <p:boldItalic r:id="rId21"/>
+      <p:regular r:id="rId19"/>
+      <p:bold r:id="rId20"/>
+      <p:italic r:id="rId21"/>
+      <p:boldItalic r:id="rId22"/>
     </p:embeddedFont>
   </p:embeddedFontLst>
   <p:defaultTextStyle>
@@ -810,7 +811,7 @@
       </p:grpSpPr>
       <p:sp>
         <p:nvSpPr>
-          <p:cNvPr id="113" name="Google Shape;113;g4d5d5c288a_0_239:notes"/>
+          <p:cNvPr id="113" name="Google Shape;113;g4d5d5c288a_0_105:notes"/>
           <p:cNvSpPr/>
           <p:nvPr>
             <p:ph idx="2" type="sldImg"/>
@@ -845,7 +846,7 @@
       </p:sp>
       <p:sp>
         <p:nvSpPr>
-          <p:cNvPr id="114" name="Google Shape;114;g4d5d5c288a_0_239:notes"/>
+          <p:cNvPr id="114" name="Google Shape;114;g4d5d5c288a_0_105:notes"/>
           <p:cNvSpPr txBox="1"/>
           <p:nvPr>
             <p:ph idx="1" type="body"/>
@@ -909,7 +910,7 @@
       </p:grpSpPr>
       <p:sp>
         <p:nvSpPr>
-          <p:cNvPr id="119" name="Google Shape;119;g4d5d5c288a_0_244:notes"/>
+          <p:cNvPr id="119" name="Google Shape;119;g4d5d5c288a_0_239:notes"/>
           <p:cNvSpPr/>
           <p:nvPr>
             <p:ph idx="2" type="sldImg"/>
@@ -944,7 +945,106 @@
       </p:sp>
       <p:sp>
         <p:nvSpPr>
-          <p:cNvPr id="120" name="Google Shape;120;g4d5d5c288a_0_244:notes"/>
+          <p:cNvPr id="120" name="Google Shape;120;g4d5d5c288a_0_239:notes"/>
+          <p:cNvSpPr txBox="1"/>
+          <p:nvPr>
+            <p:ph idx="1" type="body"/>
+          </p:nvPr>
+        </p:nvSpPr>
+        <p:spPr>
+          <a:xfrm>
+            <a:off x="685800" y="4343400"/>
+            <a:ext cx="5486400" cy="4114800"/>
+          </a:xfrm>
+          <a:prstGeom prst="rect">
+            <a:avLst/>
+          </a:prstGeom>
+        </p:spPr>
+        <p:txBody>
+          <a:bodyPr anchorCtr="0" anchor="t" bIns="91425" lIns="91425" spcFirstLastPara="1" rIns="91425" wrap="square" tIns="91425">
+            <a:noAutofit/>
+          </a:bodyPr>
+          <a:lstStyle/>
+          <a:p>
+            <a:pPr indent="0" lvl="0" marL="0" rtl="0" algn="l">
+              <a:spcBef>
+                <a:spcPts val="0"/>
+              </a:spcBef>
+              <a:spcAft>
+                <a:spcPts val="0"/>
+              </a:spcAft>
+              <a:buNone/>
+            </a:pPr>
+            <a:r>
+              <a:t/>
+            </a:r>
+            <a:endParaRPr/>
+          </a:p>
+        </p:txBody>
+      </p:sp>
+    </p:spTree>
+  </p:cSld>
+  <p:clrMapOvr>
+    <a:masterClrMapping/>
+  </p:clrMapOvr>
+</p:notes>
+</file>
+
+<file path=ppt/notesSlides/notesSlide12.xml><?xml version="1.0" encoding="utf-8"?>
+<p:notes xmlns:a="http://schemas.openxmlformats.org/drawingml/2006/main" xmlns:r="http://schemas.openxmlformats.org/officeDocument/2006/relationships" xmlns:mc="http://schemas.openxmlformats.org/markup-compatibility/2006" xmlns:mv="urn:schemas-microsoft-com:mac:vml" xmlns:p="http://schemas.openxmlformats.org/presentationml/2006/main" xmlns:c="http://schemas.openxmlformats.org/drawingml/2006/chart" xmlns:dgm="http://schemas.openxmlformats.org/drawingml/2006/diagram" xmlns:o="urn:schemas-microsoft-com:office:office" xmlns:v="urn:schemas-microsoft-com:vml" xmlns:pvml="urn:schemas-microsoft-com:office:powerpoint" xmlns:com="http://schemas.openxmlformats.org/drawingml/2006/compatibility" xmlns:p14="http://schemas.microsoft.com/office/powerpoint/2010/main" xmlns:p15="http://schemas.microsoft.com/office/powerpoint/2012/main" showMasterPhAnim="0" showMasterSp="0">
+  <p:cSld>
+    <p:spTree>
+      <p:nvGrpSpPr>
+        <p:cNvPr id="124" name="Shape 124"/>
+        <p:cNvGrpSpPr/>
+        <p:nvPr/>
+      </p:nvGrpSpPr>
+      <p:grpSpPr>
+        <a:xfrm>
+          <a:off x="0" y="0"/>
+          <a:ext cx="0" cy="0"/>
+          <a:chOff x="0" y="0"/>
+          <a:chExt cx="0" cy="0"/>
+        </a:xfrm>
+      </p:grpSpPr>
+      <p:sp>
+        <p:nvSpPr>
+          <p:cNvPr id="125" name="Google Shape;125;g4d5d5c288a_0_244:notes"/>
+          <p:cNvSpPr/>
+          <p:nvPr>
+            <p:ph idx="2" type="sldImg"/>
+          </p:nvPr>
+        </p:nvSpPr>
+        <p:spPr>
+          <a:xfrm>
+            <a:off x="381300" y="685800"/>
+            <a:ext cx="6096000" cy="3429000"/>
+          </a:xfrm>
+          <a:custGeom>
+            <a:rect b="b" l="l" r="r" t="t"/>
+            <a:pathLst>
+              <a:path extrusionOk="0" h="120000" w="120000">
+                <a:moveTo>
+                  <a:pt x="0" y="0"/>
+                </a:moveTo>
+                <a:lnTo>
+                  <a:pt x="120000" y="0"/>
+                </a:lnTo>
+                <a:lnTo>
+                  <a:pt x="120000" y="120000"/>
+                </a:lnTo>
+                <a:lnTo>
+                  <a:pt x="0" y="120000"/>
+                </a:lnTo>
+                <a:close/>
+              </a:path>
+            </a:pathLst>
+          </a:custGeom>
+        </p:spPr>
+      </p:sp>
+      <p:sp>
+        <p:nvSpPr>
+          <p:cNvPr id="126" name="Google Shape;126;g4d5d5c288a_0_244:notes"/>
           <p:cNvSpPr txBox="1"/>
           <p:nvPr>
             <p:ph idx="1" type="body"/>
@@ -1206,7 +1306,7 @@
       </p:grpSpPr>
       <p:sp>
         <p:nvSpPr>
-          <p:cNvPr id="78" name="Google Shape;78;g4d5d5c288a_0_59:notes"/>
+          <p:cNvPr id="78" name="Google Shape;78;g4d5d5c288a_0_255:notes"/>
           <p:cNvSpPr/>
           <p:nvPr>
             <p:ph idx="2" type="sldImg"/>
@@ -1241,7 +1341,106 @@
       </p:sp>
       <p:sp>
         <p:nvSpPr>
-          <p:cNvPr id="79" name="Google Shape;79;g4d5d5c288a_0_59:notes"/>
+          <p:cNvPr id="79" name="Google Shape;79;g4d5d5c288a_0_255:notes"/>
+          <p:cNvSpPr txBox="1"/>
+          <p:nvPr>
+            <p:ph idx="1" type="body"/>
+          </p:nvPr>
+        </p:nvSpPr>
+        <p:spPr>
+          <a:xfrm>
+            <a:off x="685800" y="4343400"/>
+            <a:ext cx="5486400" cy="4114800"/>
+          </a:xfrm>
+          <a:prstGeom prst="rect">
+            <a:avLst/>
+          </a:prstGeom>
+        </p:spPr>
+        <p:txBody>
+          <a:bodyPr anchorCtr="0" anchor="t" bIns="91425" lIns="91425" spcFirstLastPara="1" rIns="91425" wrap="square" tIns="91425">
+            <a:noAutofit/>
+          </a:bodyPr>
+          <a:lstStyle/>
+          <a:p>
+            <a:pPr indent="0" lvl="0" marL="0" rtl="0" algn="l">
+              <a:spcBef>
+                <a:spcPts val="0"/>
+              </a:spcBef>
+              <a:spcAft>
+                <a:spcPts val="0"/>
+              </a:spcAft>
+              <a:buNone/>
+            </a:pPr>
+            <a:r>
+              <a:t/>
+            </a:r>
+            <a:endParaRPr/>
+          </a:p>
+        </p:txBody>
+      </p:sp>
+    </p:spTree>
+  </p:cSld>
+  <p:clrMapOvr>
+    <a:masterClrMapping/>
+  </p:clrMapOvr>
+</p:notes>
+</file>
+
+<file path=ppt/notesSlides/notesSlide5.xml><?xml version="1.0" encoding="utf-8"?>
+<p:notes xmlns:a="http://schemas.openxmlformats.org/drawingml/2006/main" xmlns:r="http://schemas.openxmlformats.org/officeDocument/2006/relationships" xmlns:mc="http://schemas.openxmlformats.org/markup-compatibility/2006" xmlns:mv="urn:schemas-microsoft-com:mac:vml" xmlns:p="http://schemas.openxmlformats.org/presentationml/2006/main" xmlns:c="http://schemas.openxmlformats.org/drawingml/2006/chart" xmlns:dgm="http://schemas.openxmlformats.org/drawingml/2006/diagram" xmlns:o="urn:schemas-microsoft-com:office:office" xmlns:v="urn:schemas-microsoft-com:vml" xmlns:pvml="urn:schemas-microsoft-com:office:powerpoint" xmlns:com="http://schemas.openxmlformats.org/drawingml/2006/compatibility" xmlns:p14="http://schemas.microsoft.com/office/powerpoint/2010/main" xmlns:p15="http://schemas.microsoft.com/office/powerpoint/2012/main" showMasterPhAnim="0" showMasterSp="0">
+  <p:cSld>
+    <p:spTree>
+      <p:nvGrpSpPr>
+        <p:cNvPr id="83" name="Shape 83"/>
+        <p:cNvGrpSpPr/>
+        <p:nvPr/>
+      </p:nvGrpSpPr>
+      <p:grpSpPr>
+        <a:xfrm>
+          <a:off x="0" y="0"/>
+          <a:ext cx="0" cy="0"/>
+          <a:chOff x="0" y="0"/>
+          <a:chExt cx="0" cy="0"/>
+        </a:xfrm>
+      </p:grpSpPr>
+      <p:sp>
+        <p:nvSpPr>
+          <p:cNvPr id="84" name="Google Shape;84;g4d5d5c288a_0_59:notes"/>
+          <p:cNvSpPr/>
+          <p:nvPr>
+            <p:ph idx="2" type="sldImg"/>
+          </p:nvPr>
+        </p:nvSpPr>
+        <p:spPr>
+          <a:xfrm>
+            <a:off x="381300" y="685800"/>
+            <a:ext cx="6096000" cy="3429000"/>
+          </a:xfrm>
+          <a:custGeom>
+            <a:rect b="b" l="l" r="r" t="t"/>
+            <a:pathLst>
+              <a:path extrusionOk="0" h="120000" w="120000">
+                <a:moveTo>
+                  <a:pt x="0" y="0"/>
+                </a:moveTo>
+                <a:lnTo>
+                  <a:pt x="120000" y="0"/>
+                </a:lnTo>
+                <a:lnTo>
+                  <a:pt x="120000" y="120000"/>
+                </a:lnTo>
+                <a:lnTo>
+                  <a:pt x="0" y="120000"/>
+                </a:lnTo>
+                <a:close/>
+              </a:path>
+            </a:pathLst>
+          </a:custGeom>
+        </p:spPr>
+      </p:sp>
+      <p:sp>
+        <p:nvSpPr>
+          <p:cNvPr id="85" name="Google Shape;85;g4d5d5c288a_0_59:notes"/>
           <p:cNvSpPr txBox="1"/>
           <p:nvPr>
             <p:ph idx="1" type="body"/>
@@ -1366,12 +1565,12 @@
 </p:notes>
 </file>
 
-<file path=ppt/notesSlides/notesSlide5.xml><?xml version="1.0" encoding="utf-8"?>
+<file path=ppt/notesSlides/notesSlide6.xml><?xml version="1.0" encoding="utf-8"?>
 <p:notes xmlns:a="http://schemas.openxmlformats.org/drawingml/2006/main" xmlns:r="http://schemas.openxmlformats.org/officeDocument/2006/relationships" xmlns:mc="http://schemas.openxmlformats.org/markup-compatibility/2006" xmlns:mv="urn:schemas-microsoft-com:mac:vml" xmlns:p="http://schemas.openxmlformats.org/presentationml/2006/main" xmlns:c="http://schemas.openxmlformats.org/drawingml/2006/chart" xmlns:dgm="http://schemas.openxmlformats.org/drawingml/2006/diagram" xmlns:o="urn:schemas-microsoft-com:office:office" xmlns:v="urn:schemas-microsoft-com:vml" xmlns:pvml="urn:schemas-microsoft-com:office:powerpoint" xmlns:com="http://schemas.openxmlformats.org/drawingml/2006/compatibility" xmlns:p14="http://schemas.microsoft.com/office/powerpoint/2010/main" xmlns:p15="http://schemas.microsoft.com/office/powerpoint/2012/main" showMasterPhAnim="0" showMasterSp="0">
   <p:cSld>
     <p:spTree>
       <p:nvGrpSpPr>
-        <p:cNvPr id="83" name="Shape 83"/>
+        <p:cNvPr id="89" name="Shape 89"/>
         <p:cNvGrpSpPr/>
         <p:nvPr/>
       </p:nvGrpSpPr>
@@ -1385,7 +1584,7 @@
       </p:grpSpPr>
       <p:sp>
         <p:nvSpPr>
-          <p:cNvPr id="84" name="Google Shape;84;g4d5d5c288a_0_80:notes"/>
+          <p:cNvPr id="90" name="Google Shape;90;g4d5d5c288a_0_80:notes"/>
           <p:cNvSpPr/>
           <p:nvPr>
             <p:ph idx="2" type="sldImg"/>
@@ -1420,7 +1619,7 @@
       </p:sp>
       <p:sp>
         <p:nvSpPr>
-          <p:cNvPr id="85" name="Google Shape;85;g4d5d5c288a_0_80:notes"/>
+          <p:cNvPr id="91" name="Google Shape;91;g4d5d5c288a_0_80:notes"/>
           <p:cNvSpPr txBox="1"/>
           <p:nvPr>
             <p:ph idx="1" type="body"/>
@@ -1465,12 +1664,12 @@
 </p:notes>
 </file>
 
-<file path=ppt/notesSlides/notesSlide6.xml><?xml version="1.0" encoding="utf-8"?>
+<file path=ppt/notesSlides/notesSlide7.xml><?xml version="1.0" encoding="utf-8"?>
 <p:notes xmlns:a="http://schemas.openxmlformats.org/drawingml/2006/main" xmlns:r="http://schemas.openxmlformats.org/officeDocument/2006/relationships" xmlns:mc="http://schemas.openxmlformats.org/markup-compatibility/2006" xmlns:mv="urn:schemas-microsoft-com:mac:vml" xmlns:p="http://schemas.openxmlformats.org/presentationml/2006/main" xmlns:c="http://schemas.openxmlformats.org/drawingml/2006/chart" xmlns:dgm="http://schemas.openxmlformats.org/drawingml/2006/diagram" xmlns:o="urn:schemas-microsoft-com:office:office" xmlns:v="urn:schemas-microsoft-com:vml" xmlns:pvml="urn:schemas-microsoft-com:office:powerpoint" xmlns:com="http://schemas.openxmlformats.org/drawingml/2006/compatibility" xmlns:p14="http://schemas.microsoft.com/office/powerpoint/2010/main" xmlns:p15="http://schemas.microsoft.com/office/powerpoint/2012/main" showMasterPhAnim="0" showMasterSp="0">
   <p:cSld>
     <p:spTree>
       <p:nvGrpSpPr>
-        <p:cNvPr id="89" name="Shape 89"/>
+        <p:cNvPr id="95" name="Shape 95"/>
         <p:cNvGrpSpPr/>
         <p:nvPr/>
       </p:nvGrpSpPr>
@@ -1484,7 +1683,7 @@
       </p:grpSpPr>
       <p:sp>
         <p:nvSpPr>
-          <p:cNvPr id="90" name="Google Shape;90;g4d5d5c288a_0_85:notes"/>
+          <p:cNvPr id="96" name="Google Shape;96;g4d5d5c288a_0_85:notes"/>
           <p:cNvSpPr/>
           <p:nvPr>
             <p:ph idx="2" type="sldImg"/>
@@ -1519,7 +1718,7 @@
       </p:sp>
       <p:sp>
         <p:nvSpPr>
-          <p:cNvPr id="91" name="Google Shape;91;g4d5d5c288a_0_85:notes"/>
+          <p:cNvPr id="97" name="Google Shape;97;g4d5d5c288a_0_85:notes"/>
           <p:cNvSpPr txBox="1"/>
           <p:nvPr>
             <p:ph idx="1" type="body"/>
@@ -1564,12 +1763,12 @@
 </p:notes>
 </file>
 
-<file path=ppt/notesSlides/notesSlide7.xml><?xml version="1.0" encoding="utf-8"?>
+<file path=ppt/notesSlides/notesSlide8.xml><?xml version="1.0" encoding="utf-8"?>
 <p:notes xmlns:a="http://schemas.openxmlformats.org/drawingml/2006/main" xmlns:r="http://schemas.openxmlformats.org/officeDocument/2006/relationships" xmlns:mc="http://schemas.openxmlformats.org/markup-compatibility/2006" xmlns:mv="urn:schemas-microsoft-com:mac:vml" xmlns:p="http://schemas.openxmlformats.org/presentationml/2006/main" xmlns:c="http://schemas.openxmlformats.org/drawingml/2006/chart" xmlns:dgm="http://schemas.openxmlformats.org/drawingml/2006/diagram" xmlns:o="urn:schemas-microsoft-com:office:office" xmlns:v="urn:schemas-microsoft-com:vml" xmlns:pvml="urn:schemas-microsoft-com:office:powerpoint" xmlns:com="http://schemas.openxmlformats.org/drawingml/2006/compatibility" xmlns:p14="http://schemas.microsoft.com/office/powerpoint/2010/main" xmlns:p15="http://schemas.microsoft.com/office/powerpoint/2012/main" showMasterPhAnim="0" showMasterSp="0">
   <p:cSld>
     <p:spTree>
       <p:nvGrpSpPr>
-        <p:cNvPr id="94" name="Shape 94"/>
+        <p:cNvPr id="100" name="Shape 100"/>
         <p:cNvGrpSpPr/>
         <p:nvPr/>
       </p:nvGrpSpPr>
@@ -1583,7 +1782,7 @@
       </p:grpSpPr>
       <p:sp>
         <p:nvSpPr>
-          <p:cNvPr id="95" name="Google Shape;95;g4d5d5c288a_0_95:notes"/>
+          <p:cNvPr id="101" name="Google Shape;101;g4d5d5c288a_0_95:notes"/>
           <p:cNvSpPr/>
           <p:nvPr>
             <p:ph idx="2" type="sldImg"/>
@@ -1618,122 +1817,7 @@
       </p:sp>
       <p:sp>
         <p:nvSpPr>
-          <p:cNvPr id="96" name="Google Shape;96;g4d5d5c288a_0_95:notes"/>
-          <p:cNvSpPr txBox="1"/>
-          <p:nvPr>
-            <p:ph idx="1" type="body"/>
-          </p:nvPr>
-        </p:nvSpPr>
-        <p:spPr>
-          <a:xfrm>
-            <a:off x="685800" y="4343400"/>
-            <a:ext cx="5486400" cy="4114800"/>
-          </a:xfrm>
-          <a:prstGeom prst="rect">
-            <a:avLst/>
-          </a:prstGeom>
-        </p:spPr>
-        <p:txBody>
-          <a:bodyPr anchorCtr="0" anchor="t" bIns="91425" lIns="91425" spcFirstLastPara="1" rIns="91425" wrap="square" tIns="91425">
-            <a:noAutofit/>
-          </a:bodyPr>
-          <a:lstStyle/>
-          <a:p>
-            <a:pPr indent="0" lvl="0" marL="0" rtl="0" algn="l">
-              <a:spcBef>
-                <a:spcPts val="0"/>
-              </a:spcBef>
-              <a:spcAft>
-                <a:spcPts val="0"/>
-              </a:spcAft>
-              <a:buNone/>
-            </a:pPr>
-            <a:r>
-              <a:rPr lang="en"/>
-              <a:t>Framework - resuable code </a:t>
-            </a:r>
-            <a:br>
-              <a:rPr lang="en"/>
-            </a:br>
-            <a:r>
-              <a:rPr lang="en" sz="1600">
-                <a:highlight>
-                  <a:srgbClr val="FFFFFF"/>
-                </a:highlight>
-                <a:latin typeface="Georgia"/>
-                <a:ea typeface="Georgia"/>
-                <a:cs typeface="Georgia"/>
-                <a:sym typeface="Georgia"/>
-              </a:rPr>
-              <a:t>In simple words, a framework is anything that helps you complete your work faster. For example, if I were to tell you to create a python server that could host a website; you would be able to do it in just under 120 lines of python code using several libraries for tasks such as, mapping a function to a route(url), writing socket functions for protocols and finally displaying that one webpage. You will have to repeat all of this for every webpage in the website. Not to forget the overhead of actually interpreting and typing all the lines of code. Frameworks abstract all the above lower level tasks and helps you focus on the actual application. Clearly Flask doesn’t restrict itself to being a backend service, but instead stages, hosts and handles your complete web application</a:t>
-            </a:r>
-            <a:endParaRPr/>
-          </a:p>
-        </p:txBody>
-      </p:sp>
-    </p:spTree>
-  </p:cSld>
-  <p:clrMapOvr>
-    <a:masterClrMapping/>
-  </p:clrMapOvr>
-</p:notes>
-</file>
-
-<file path=ppt/notesSlides/notesSlide8.xml><?xml version="1.0" encoding="utf-8"?>
-<p:notes xmlns:a="http://schemas.openxmlformats.org/drawingml/2006/main" xmlns:r="http://schemas.openxmlformats.org/officeDocument/2006/relationships" xmlns:mc="http://schemas.openxmlformats.org/markup-compatibility/2006" xmlns:mv="urn:schemas-microsoft-com:mac:vml" xmlns:p="http://schemas.openxmlformats.org/presentationml/2006/main" xmlns:c="http://schemas.openxmlformats.org/drawingml/2006/chart" xmlns:dgm="http://schemas.openxmlformats.org/drawingml/2006/diagram" xmlns:o="urn:schemas-microsoft-com:office:office" xmlns:v="urn:schemas-microsoft-com:vml" xmlns:pvml="urn:schemas-microsoft-com:office:powerpoint" xmlns:com="http://schemas.openxmlformats.org/drawingml/2006/compatibility" xmlns:p14="http://schemas.microsoft.com/office/powerpoint/2010/main" xmlns:p15="http://schemas.microsoft.com/office/powerpoint/2012/main" showMasterPhAnim="0" showMasterSp="0">
-  <p:cSld>
-    <p:spTree>
-      <p:nvGrpSpPr>
-        <p:cNvPr id="100" name="Shape 100"/>
-        <p:cNvGrpSpPr/>
-        <p:nvPr/>
-      </p:nvGrpSpPr>
-      <p:grpSpPr>
-        <a:xfrm>
-          <a:off x="0" y="0"/>
-          <a:ext cx="0" cy="0"/>
-          <a:chOff x="0" y="0"/>
-          <a:chExt cx="0" cy="0"/>
-        </a:xfrm>
-      </p:grpSpPr>
-      <p:sp>
-        <p:nvSpPr>
-          <p:cNvPr id="101" name="Google Shape;101;g4d5d5c288a_0_90:notes"/>
-          <p:cNvSpPr/>
-          <p:nvPr>
-            <p:ph idx="2" type="sldImg"/>
-          </p:nvPr>
-        </p:nvSpPr>
-        <p:spPr>
-          <a:xfrm>
-            <a:off x="381300" y="685800"/>
-            <a:ext cx="6096000" cy="3429000"/>
-          </a:xfrm>
-          <a:custGeom>
-            <a:rect b="b" l="l" r="r" t="t"/>
-            <a:pathLst>
-              <a:path extrusionOk="0" h="120000" w="120000">
-                <a:moveTo>
-                  <a:pt x="0" y="0"/>
-                </a:moveTo>
-                <a:lnTo>
-                  <a:pt x="120000" y="0"/>
-                </a:lnTo>
-                <a:lnTo>
-                  <a:pt x="120000" y="120000"/>
-                </a:lnTo>
-                <a:lnTo>
-                  <a:pt x="0" y="120000"/>
-                </a:lnTo>
-                <a:close/>
-              </a:path>
-            </a:pathLst>
-          </a:custGeom>
-        </p:spPr>
-      </p:sp>
-      <p:sp>
-        <p:nvSpPr>
-          <p:cNvPr id="102" name="Google Shape;102;g4d5d5c288a_0_90:notes"/>
+          <p:cNvPr id="102" name="Google Shape;102;g4d5d5c288a_0_95:notes"/>
           <p:cNvSpPr txBox="1"/>
           <p:nvPr>
             <p:ph idx="1" type="body"/>
@@ -1797,7 +1881,7 @@
       </p:grpSpPr>
       <p:sp>
         <p:nvSpPr>
-          <p:cNvPr id="107" name="Google Shape;107;g4d5d5c288a_0_105:notes"/>
+          <p:cNvPr id="107" name="Google Shape;107;g4d5d5c288a_0_90:notes"/>
           <p:cNvSpPr/>
           <p:nvPr>
             <p:ph idx="2" type="sldImg"/>
@@ -1832,7 +1916,7 @@
       </p:sp>
       <p:sp>
         <p:nvSpPr>
-          <p:cNvPr id="108" name="Google Shape;108;g4d5d5c288a_0_105:notes"/>
+          <p:cNvPr id="108" name="Google Shape;108;g4d5d5c288a_0_90:notes"/>
           <p:cNvSpPr txBox="1"/>
           <p:nvPr>
             <p:ph idx="1" type="body"/>
@@ -7251,9 +7335,37 @@
           <a:chExt cx="0" cy="0"/>
         </a:xfrm>
       </p:grpSpPr>
+      <p:pic>
+        <p:nvPicPr>
+          <p:cNvPr id="116" name="Google Shape;116;p22"/>
+          <p:cNvPicPr preferRelativeResize="0"/>
+          <p:nvPr/>
+        </p:nvPicPr>
+        <p:blipFill>
+          <a:blip r:embed="rId3">
+            <a:alphaModFix/>
+          </a:blip>
+          <a:stretch>
+            <a:fillRect/>
+          </a:stretch>
+        </p:blipFill>
+        <p:spPr>
+          <a:xfrm>
+            <a:off x="216550" y="1112000"/>
+            <a:ext cx="8839201" cy="3411621"/>
+          </a:xfrm>
+          <a:prstGeom prst="rect">
+            <a:avLst/>
+          </a:prstGeom>
+          <a:noFill/>
+          <a:ln>
+            <a:noFill/>
+          </a:ln>
+        </p:spPr>
+      </p:pic>
       <p:sp>
         <p:nvSpPr>
-          <p:cNvPr id="116" name="Google Shape;116;p22"/>
+          <p:cNvPr id="117" name="Google Shape;117;p22"/>
           <p:cNvSpPr txBox="1"/>
           <p:nvPr>
             <p:ph type="title"/>
@@ -7261,7 +7373,7 @@
         </p:nvSpPr>
         <p:spPr>
           <a:xfrm>
-            <a:off x="387900" y="458025"/>
+            <a:off x="304800" y="149175"/>
             <a:ext cx="8368200" cy="686100"/>
           </a:xfrm>
           <a:prstGeom prst="rect">
@@ -7285,148 +7397,7 @@
             </a:pPr>
             <a:r>
               <a:rPr lang="en"/>
-              <a:t>GET vs POST</a:t>
-            </a:r>
-            <a:endParaRPr/>
-          </a:p>
-        </p:txBody>
-      </p:sp>
-      <p:sp>
-        <p:nvSpPr>
-          <p:cNvPr id="117" name="Google Shape;117;p22"/>
-          <p:cNvSpPr txBox="1"/>
-          <p:nvPr>
-            <p:ph idx="1" type="body"/>
-          </p:nvPr>
-        </p:nvSpPr>
-        <p:spPr>
-          <a:xfrm>
-            <a:off x="387900" y="1489824"/>
-            <a:ext cx="8368200" cy="3078900"/>
-          </a:xfrm>
-          <a:prstGeom prst="rect">
-            <a:avLst/>
-          </a:prstGeom>
-        </p:spPr>
-        <p:txBody>
-          <a:bodyPr anchorCtr="0" anchor="t" bIns="91425" lIns="91425" spcFirstLastPara="1" rIns="91425" wrap="square" tIns="91425">
-            <a:noAutofit/>
-          </a:bodyPr>
-          <a:lstStyle/>
-          <a:p>
-            <a:pPr indent="0" lvl="0" marL="0" rtl="0" algn="l">
-              <a:spcBef>
-                <a:spcPts val="0"/>
-              </a:spcBef>
-              <a:spcAft>
-                <a:spcPts val="0"/>
-              </a:spcAft>
-              <a:buNone/>
-            </a:pPr>
-            <a:r>
-              <a:rPr lang="en"/>
-              <a:t>POST </a:t>
-            </a:r>
-            <a:endParaRPr/>
-          </a:p>
-          <a:p>
-            <a:pPr indent="-342900" lvl="0" marL="457200" rtl="0" algn="l">
-              <a:spcBef>
-                <a:spcPts val="1600"/>
-              </a:spcBef>
-              <a:spcAft>
-                <a:spcPts val="0"/>
-              </a:spcAft>
-              <a:buSzPts val="1800"/>
-              <a:buChar char="●"/>
-            </a:pPr>
-            <a:r>
-              <a:rPr lang="en"/>
-              <a:t>Create, Update, Delete operations</a:t>
-            </a:r>
-            <a:endParaRPr/>
-          </a:p>
-          <a:p>
-            <a:pPr indent="-342900" lvl="0" marL="457200" rtl="0" algn="l">
-              <a:spcBef>
-                <a:spcPts val="0"/>
-              </a:spcBef>
-              <a:spcAft>
-                <a:spcPts val="0"/>
-              </a:spcAft>
-              <a:buSzPts val="1800"/>
-              <a:buChar char="●"/>
-            </a:pPr>
-            <a:r>
-              <a:rPr lang="en"/>
-              <a:t>No size limit</a:t>
-            </a:r>
-            <a:endParaRPr/>
-          </a:p>
-          <a:p>
-            <a:pPr indent="0" lvl="0" marL="0" rtl="0" algn="l">
-              <a:spcBef>
-                <a:spcPts val="1600"/>
-              </a:spcBef>
-              <a:spcAft>
-                <a:spcPts val="0"/>
-              </a:spcAft>
-              <a:buNone/>
-            </a:pPr>
-            <a:r>
-              <a:rPr lang="en"/>
-              <a:t>GET</a:t>
-            </a:r>
-            <a:endParaRPr/>
-          </a:p>
-          <a:p>
-            <a:pPr indent="-342900" lvl="0" marL="457200" rtl="0" algn="l">
-              <a:spcBef>
-                <a:spcPts val="1600"/>
-              </a:spcBef>
-              <a:spcAft>
-                <a:spcPts val="0"/>
-              </a:spcAft>
-              <a:buSzPts val="1800"/>
-              <a:buChar char="●"/>
-            </a:pPr>
-            <a:r>
-              <a:rPr lang="en"/>
-              <a:t>Safe and idempotent</a:t>
-            </a:r>
-            <a:endParaRPr/>
-          </a:p>
-          <a:p>
-            <a:pPr indent="-342900" lvl="0" marL="457200" rtl="0" algn="l">
-              <a:spcBef>
-                <a:spcPts val="0"/>
-              </a:spcBef>
-              <a:spcAft>
-                <a:spcPts val="0"/>
-              </a:spcAft>
-              <a:buSzPts val="1800"/>
-              <a:buChar char="●"/>
-            </a:pPr>
-            <a:r>
-              <a:rPr lang="en"/>
-              <a:t>Sent in the URL</a:t>
-            </a:r>
-            <a:endParaRPr/>
-          </a:p>
-          <a:p>
-            <a:pPr indent="-342900" lvl="0" marL="457200" rtl="0" algn="l">
-              <a:spcBef>
-                <a:spcPts val="0"/>
-              </a:spcBef>
-              <a:spcAft>
-                <a:spcPts val="0"/>
-              </a:spcAft>
-              <a:buSzPts val="1800"/>
-              <a:buChar char="●"/>
-            </a:pPr>
-            <a:r>
-              <a:rPr lang="en"/>
-              <a:t>Size limit</a:t>
+              <a:t>Example Architecture</a:t>
             </a:r>
             <a:endParaRPr/>
           </a:p>
@@ -7462,6 +7433,212 @@
           <p:cNvPr id="122" name="Google Shape;122;p23"/>
           <p:cNvSpPr txBox="1"/>
           <p:nvPr>
+            <p:ph type="title"/>
+          </p:nvPr>
+        </p:nvSpPr>
+        <p:spPr>
+          <a:xfrm>
+            <a:off x="387900" y="458025"/>
+            <a:ext cx="8368200" cy="686100"/>
+          </a:xfrm>
+          <a:prstGeom prst="rect">
+            <a:avLst/>
+          </a:prstGeom>
+        </p:spPr>
+        <p:txBody>
+          <a:bodyPr anchorCtr="0" anchor="b" bIns="91425" lIns="91425" spcFirstLastPara="1" rIns="91425" wrap="square" tIns="91425">
+            <a:noAutofit/>
+          </a:bodyPr>
+          <a:lstStyle/>
+          <a:p>
+            <a:pPr indent="0" lvl="0" marL="0" rtl="0" algn="l">
+              <a:spcBef>
+                <a:spcPts val="0"/>
+              </a:spcBef>
+              <a:spcAft>
+                <a:spcPts val="0"/>
+              </a:spcAft>
+              <a:buNone/>
+            </a:pPr>
+            <a:r>
+              <a:rPr lang="en"/>
+              <a:t>GET vs POST</a:t>
+            </a:r>
+            <a:endParaRPr/>
+          </a:p>
+        </p:txBody>
+      </p:sp>
+      <p:sp>
+        <p:nvSpPr>
+          <p:cNvPr id="123" name="Google Shape;123;p23"/>
+          <p:cNvSpPr txBox="1"/>
+          <p:nvPr>
+            <p:ph idx="1" type="body"/>
+          </p:nvPr>
+        </p:nvSpPr>
+        <p:spPr>
+          <a:xfrm>
+            <a:off x="387900" y="1489824"/>
+            <a:ext cx="8368200" cy="3078900"/>
+          </a:xfrm>
+          <a:prstGeom prst="rect">
+            <a:avLst/>
+          </a:prstGeom>
+        </p:spPr>
+        <p:txBody>
+          <a:bodyPr anchorCtr="0" anchor="t" bIns="91425" lIns="91425" spcFirstLastPara="1" rIns="91425" wrap="square" tIns="91425">
+            <a:noAutofit/>
+          </a:bodyPr>
+          <a:lstStyle/>
+          <a:p>
+            <a:pPr indent="0" lvl="0" marL="0" rtl="0" algn="l">
+              <a:spcBef>
+                <a:spcPts val="0"/>
+              </a:spcBef>
+              <a:spcAft>
+                <a:spcPts val="0"/>
+              </a:spcAft>
+              <a:buNone/>
+            </a:pPr>
+            <a:r>
+              <a:rPr lang="en"/>
+              <a:t>POST </a:t>
+            </a:r>
+            <a:endParaRPr/>
+          </a:p>
+          <a:p>
+            <a:pPr indent="-342900" lvl="0" marL="457200" rtl="0" algn="l">
+              <a:spcBef>
+                <a:spcPts val="1600"/>
+              </a:spcBef>
+              <a:spcAft>
+                <a:spcPts val="0"/>
+              </a:spcAft>
+              <a:buSzPts val="1800"/>
+              <a:buChar char="●"/>
+            </a:pPr>
+            <a:r>
+              <a:rPr lang="en"/>
+              <a:t>Create, Update, Delete operations</a:t>
+            </a:r>
+            <a:endParaRPr/>
+          </a:p>
+          <a:p>
+            <a:pPr indent="-342900" lvl="0" marL="457200" rtl="0" algn="l">
+              <a:spcBef>
+                <a:spcPts val="0"/>
+              </a:spcBef>
+              <a:spcAft>
+                <a:spcPts val="0"/>
+              </a:spcAft>
+              <a:buSzPts val="1800"/>
+              <a:buChar char="●"/>
+            </a:pPr>
+            <a:r>
+              <a:rPr lang="en"/>
+              <a:t>No size limit</a:t>
+            </a:r>
+            <a:endParaRPr/>
+          </a:p>
+          <a:p>
+            <a:pPr indent="0" lvl="0" marL="0" rtl="0" algn="l">
+              <a:spcBef>
+                <a:spcPts val="1600"/>
+              </a:spcBef>
+              <a:spcAft>
+                <a:spcPts val="0"/>
+              </a:spcAft>
+              <a:buNone/>
+            </a:pPr>
+            <a:r>
+              <a:rPr lang="en"/>
+              <a:t>GET</a:t>
+            </a:r>
+            <a:endParaRPr/>
+          </a:p>
+          <a:p>
+            <a:pPr indent="-342900" lvl="0" marL="457200" rtl="0" algn="l">
+              <a:spcBef>
+                <a:spcPts val="1600"/>
+              </a:spcBef>
+              <a:spcAft>
+                <a:spcPts val="0"/>
+              </a:spcAft>
+              <a:buSzPts val="1800"/>
+              <a:buChar char="●"/>
+            </a:pPr>
+            <a:r>
+              <a:rPr lang="en"/>
+              <a:t>Safe and idempotent</a:t>
+            </a:r>
+            <a:endParaRPr/>
+          </a:p>
+          <a:p>
+            <a:pPr indent="-342900" lvl="0" marL="457200" rtl="0" algn="l">
+              <a:spcBef>
+                <a:spcPts val="0"/>
+              </a:spcBef>
+              <a:spcAft>
+                <a:spcPts val="0"/>
+              </a:spcAft>
+              <a:buSzPts val="1800"/>
+              <a:buChar char="●"/>
+            </a:pPr>
+            <a:r>
+              <a:rPr lang="en"/>
+              <a:t>Sent in the URL</a:t>
+            </a:r>
+            <a:endParaRPr/>
+          </a:p>
+          <a:p>
+            <a:pPr indent="-342900" lvl="0" marL="457200" rtl="0" algn="l">
+              <a:spcBef>
+                <a:spcPts val="0"/>
+              </a:spcBef>
+              <a:spcAft>
+                <a:spcPts val="0"/>
+              </a:spcAft>
+              <a:buSzPts val="1800"/>
+              <a:buChar char="●"/>
+            </a:pPr>
+            <a:r>
+              <a:rPr lang="en"/>
+              <a:t>Size limit</a:t>
+            </a:r>
+            <a:endParaRPr/>
+          </a:p>
+        </p:txBody>
+      </p:sp>
+    </p:spTree>
+  </p:cSld>
+  <p:clrMapOvr>
+    <a:masterClrMapping/>
+  </p:clrMapOvr>
+</p:sld>
+</file>
+
+<file path=ppt/slides/slide12.xml><?xml version="1.0" encoding="utf-8"?>
+<p:sld xmlns:a="http://schemas.openxmlformats.org/drawingml/2006/main" xmlns:r="http://schemas.openxmlformats.org/officeDocument/2006/relationships" xmlns:mc="http://schemas.openxmlformats.org/markup-compatibility/2006" xmlns:mv="urn:schemas-microsoft-com:mac:vml" xmlns:p="http://schemas.openxmlformats.org/presentationml/2006/main" xmlns:c="http://schemas.openxmlformats.org/drawingml/2006/chart" xmlns:dgm="http://schemas.openxmlformats.org/drawingml/2006/diagram" xmlns:o="urn:schemas-microsoft-com:office:office" xmlns:v="urn:schemas-microsoft-com:vml" xmlns:pvml="urn:schemas-microsoft-com:office:powerpoint" xmlns:com="http://schemas.openxmlformats.org/drawingml/2006/compatibility" xmlns:p14="http://schemas.microsoft.com/office/powerpoint/2010/main" xmlns:p15="http://schemas.microsoft.com/office/powerpoint/2012/main">
+  <p:cSld>
+    <p:spTree>
+      <p:nvGrpSpPr>
+        <p:cNvPr id="127" name="Shape 127"/>
+        <p:cNvGrpSpPr/>
+        <p:nvPr/>
+      </p:nvGrpSpPr>
+      <p:grpSpPr>
+        <a:xfrm>
+          <a:off x="0" y="0"/>
+          <a:ext cx="0" cy="0"/>
+          <a:chOff x="0" y="0"/>
+          <a:chExt cx="0" cy="0"/>
+        </a:xfrm>
+      </p:grpSpPr>
+      <p:sp>
+        <p:nvSpPr>
+          <p:cNvPr id="128" name="Google Shape;128;p24"/>
+          <p:cNvSpPr txBox="1"/>
+          <p:nvPr>
             <p:ph type="ctrTitle"/>
           </p:nvPr>
         </p:nvSpPr>
@@ -7499,7 +7676,7 @@
       </p:sp>
       <p:sp>
         <p:nvSpPr>
-          <p:cNvPr id="123" name="Google Shape;123;p23"/>
+          <p:cNvPr id="129" name="Google Shape;129;p24"/>
           <p:cNvSpPr txBox="1"/>
           <p:nvPr>
             <p:ph idx="1" type="subTitle"/>
@@ -7854,7 +8031,7 @@
             </a:pPr>
             <a:r>
               <a:rPr lang="en"/>
-              <a:t>Virtual Environment</a:t>
+              <a:t>Github Link</a:t>
             </a:r>
             <a:endParaRPr/>
           </a:p>
@@ -7893,157 +8070,13 @@
               <a:buNone/>
             </a:pPr>
             <a:r>
-              <a:rPr lang="en"/>
-              <a:t>A</a:t>
-            </a:r>
-            <a:r>
-              <a:rPr lang="en"/>
-              <a:t> self-contained directory tree that contains a Python installation for a particular version of Python, plus a number of additional packages</a:t>
-            </a:r>
-            <a:endParaRPr/>
-          </a:p>
-          <a:p>
-            <a:pPr indent="0" lvl="0" marL="0" rtl="0" algn="l">
-              <a:spcBef>
-                <a:spcPts val="1600"/>
-              </a:spcBef>
-              <a:spcAft>
-                <a:spcPts val="0"/>
-              </a:spcAft>
-              <a:buNone/>
-            </a:pPr>
-            <a:r>
-              <a:rPr lang="en"/>
-              <a:t>Venv - </a:t>
-            </a:r>
-            <a:r>
               <a:rPr lang="en" u="sng">
                 <a:solidFill>
                   <a:schemeClr val="hlink"/>
                 </a:solidFill>
                 <a:hlinkClick r:id="rId3"/>
               </a:rPr>
-              <a:t>https://docs.python.org/3/tutorial/venv.html</a:t>
-            </a:r>
-            <a:r>
-              <a:rPr lang="en"/>
-              <a:t> </a:t>
-            </a:r>
-            <a:br>
-              <a:rPr lang="en"/>
-            </a:br>
-            <a:r>
-              <a:rPr lang="en"/>
-              <a:t>Also Install Virtual Environment Wrapper - </a:t>
-            </a:r>
-            <a:r>
-              <a:rPr lang="en" u="sng">
-                <a:solidFill>
-                  <a:schemeClr val="hlink"/>
-                </a:solidFill>
-                <a:hlinkClick r:id="rId4"/>
-              </a:rPr>
-              <a:t>https://realpython.com/python-virtual-environments-a-primer/</a:t>
-            </a:r>
-            <a:endParaRPr/>
-          </a:p>
-          <a:p>
-            <a:pPr indent="0" lvl="0" marL="0" rtl="0" algn="l">
-              <a:spcBef>
-                <a:spcPts val="1600"/>
-              </a:spcBef>
-              <a:spcAft>
-                <a:spcPts val="0"/>
-              </a:spcAft>
-              <a:buNone/>
-            </a:pPr>
-            <a:r>
-              <a:t/>
-            </a:r>
-            <a:endParaRPr/>
-          </a:p>
-          <a:p>
-            <a:pPr indent="0" lvl="0" marL="0" rtl="0" algn="l">
-              <a:spcBef>
-                <a:spcPts val="1600"/>
-              </a:spcBef>
-              <a:spcAft>
-                <a:spcPts val="0"/>
-              </a:spcAft>
-              <a:buClr>
-                <a:srgbClr val="000000"/>
-              </a:buClr>
-              <a:buSzPts val="1100"/>
-              <a:buFont typeface="Arial"/>
-              <a:buNone/>
-            </a:pPr>
-            <a:r>
-              <a:t/>
-            </a:r>
-            <a:endParaRPr/>
-          </a:p>
-          <a:p>
-            <a:pPr indent="0" lvl="0" marL="0" rtl="0" algn="l">
-              <a:spcBef>
-                <a:spcPts val="1600"/>
-              </a:spcBef>
-              <a:spcAft>
-                <a:spcPts val="0"/>
-              </a:spcAft>
-              <a:buNone/>
-            </a:pPr>
-            <a:r>
-              <a:t/>
-            </a:r>
-            <a:endParaRPr/>
-          </a:p>
-          <a:p>
-            <a:pPr indent="0" lvl="0" marL="0" rtl="0" algn="l">
-              <a:spcBef>
-                <a:spcPts val="1600"/>
-              </a:spcBef>
-              <a:spcAft>
-                <a:spcPts val="0"/>
-              </a:spcAft>
-              <a:buClr>
-                <a:srgbClr val="000000"/>
-              </a:buClr>
-              <a:buSzPts val="1100"/>
-              <a:buFont typeface="Arial"/>
-              <a:buNone/>
-            </a:pPr>
-            <a:r>
-              <a:t/>
-            </a:r>
-            <a:endParaRPr/>
-          </a:p>
-          <a:p>
-            <a:pPr indent="0" lvl="0" marL="0" rtl="0" algn="l">
-              <a:spcBef>
-                <a:spcPts val="1600"/>
-              </a:spcBef>
-              <a:spcAft>
-                <a:spcPts val="0"/>
-              </a:spcAft>
-              <a:buNone/>
-            </a:pPr>
-            <a:r>
-              <a:t/>
-            </a:r>
-            <a:endParaRPr/>
-          </a:p>
-          <a:p>
-            <a:pPr indent="0" lvl="0" marL="0" rtl="0" algn="l">
-              <a:spcBef>
-                <a:spcPts val="1600"/>
-              </a:spcBef>
-              <a:spcAft>
-                <a:spcPts val="0"/>
-              </a:spcAft>
-              <a:buNone/>
-            </a:pPr>
-            <a:r>
-              <a:t/>
+              <a:t>https://github.com/hmfrank/sbhacks_mnist</a:t>
             </a:r>
             <a:endParaRPr/>
           </a:p>
@@ -8123,7 +8156,7 @@
             </a:pPr>
             <a:r>
               <a:rPr lang="en"/>
-              <a:t>Virtual Environment - Conda</a:t>
+              <a:t>Virtual Environment</a:t>
             </a:r>
             <a:endParaRPr/>
           </a:p>
@@ -8159,6 +8192,86 @@
               <a:spcAft>
                 <a:spcPts val="0"/>
               </a:spcAft>
+              <a:buNone/>
+            </a:pPr>
+            <a:r>
+              <a:rPr lang="en"/>
+              <a:t>A</a:t>
+            </a:r>
+            <a:r>
+              <a:rPr lang="en"/>
+              <a:t> self-contained directory tree that contains a Python installation for a particular version of Python, plus a number of additional packages</a:t>
+            </a:r>
+            <a:endParaRPr/>
+          </a:p>
+          <a:p>
+            <a:pPr indent="0" lvl="0" marL="0" rtl="0" algn="l">
+              <a:spcBef>
+                <a:spcPts val="1600"/>
+              </a:spcBef>
+              <a:spcAft>
+                <a:spcPts val="0"/>
+              </a:spcAft>
+              <a:buNone/>
+            </a:pPr>
+            <a:r>
+              <a:rPr lang="en"/>
+              <a:t>Venv - </a:t>
+            </a:r>
+            <a:r>
+              <a:rPr lang="en" u="sng">
+                <a:solidFill>
+                  <a:schemeClr val="hlink"/>
+                </a:solidFill>
+                <a:hlinkClick r:id="rId3"/>
+              </a:rPr>
+              <a:t>https://docs.python.org/3/tutorial/venv.html</a:t>
+            </a:r>
+            <a:r>
+              <a:rPr lang="en"/>
+              <a:t> </a:t>
+            </a:r>
+            <a:br>
+              <a:rPr lang="en"/>
+            </a:br>
+            <a:r>
+              <a:rPr lang="en"/>
+              <a:t>Also Install Virtual Environment Wrapper - </a:t>
+            </a:r>
+            <a:r>
+              <a:rPr lang="en" u="sng">
+                <a:solidFill>
+                  <a:schemeClr val="hlink"/>
+                </a:solidFill>
+                <a:hlinkClick r:id="rId4"/>
+              </a:rPr>
+              <a:t>https://realpython.com/python-virtual-environments-a-primer/</a:t>
+            </a:r>
+            <a:endParaRPr/>
+          </a:p>
+          <a:p>
+            <a:pPr indent="0" lvl="0" marL="0" rtl="0" algn="l">
+              <a:spcBef>
+                <a:spcPts val="1600"/>
+              </a:spcBef>
+              <a:spcAft>
+                <a:spcPts val="0"/>
+              </a:spcAft>
+              <a:buNone/>
+            </a:pPr>
+            <a:r>
+              <a:t/>
+            </a:r>
+            <a:endParaRPr/>
+          </a:p>
+          <a:p>
+            <a:pPr indent="0" lvl="0" marL="0" rtl="0" algn="l">
+              <a:spcBef>
+                <a:spcPts val="1600"/>
+              </a:spcBef>
+              <a:spcAft>
+                <a:spcPts val="0"/>
+              </a:spcAft>
               <a:buClr>
                 <a:srgbClr val="000000"/>
               </a:buClr>
@@ -8167,8 +8280,7 @@
               <a:buNone/>
             </a:pPr>
             <a:r>
-              <a:rPr lang="en"/>
-              <a:t>Conda command - conda create --name &lt;virtualenv name&gt;  python=&lt;version&gt;</a:t>
+              <a:t/>
             </a:r>
             <a:endParaRPr/>
           </a:p>
@@ -8180,6 +8292,21 @@
               <a:spcAft>
                 <a:spcPts val="0"/>
               </a:spcAft>
+              <a:buNone/>
+            </a:pPr>
+            <a:r>
+              <a:t/>
+            </a:r>
+            <a:endParaRPr/>
+          </a:p>
+          <a:p>
+            <a:pPr indent="0" lvl="0" marL="0" rtl="0" algn="l">
+              <a:spcBef>
+                <a:spcPts val="1600"/>
+              </a:spcBef>
+              <a:spcAft>
+                <a:spcPts val="0"/>
+              </a:spcAft>
               <a:buClr>
                 <a:srgbClr val="000000"/>
               </a:buClr>
@@ -8188,8 +8315,7 @@
               <a:buNone/>
             </a:pPr>
             <a:r>
-              <a:rPr lang="en"/>
-              <a:t>Example: conda create --name 3point6 python=3.6</a:t>
+              <a:t/>
             </a:r>
             <a:endParaRPr/>
           </a:p>
@@ -8201,25 +8327,25 @@
               <a:spcAft>
                 <a:spcPts val="0"/>
               </a:spcAft>
-              <a:buClr>
-                <a:srgbClr val="000000"/>
-              </a:buClr>
-              <a:buSzPts val="1100"/>
-              <a:buFont typeface="Arial"/>
               <a:buNone/>
             </a:pPr>
             <a:r>
-              <a:rPr lang="en"/>
-              <a:t>Conda: </a:t>
+              <a:t/>
             </a:r>
+            <a:endParaRPr/>
+          </a:p>
+          <a:p>
+            <a:pPr indent="0" lvl="0" marL="0" rtl="0" algn="l">
+              <a:spcBef>
+                <a:spcPts val="1600"/>
+              </a:spcBef>
+              <a:spcAft>
+                <a:spcPts val="0"/>
+              </a:spcAft>
+              <a:buNone/>
+            </a:pPr>
             <a:r>
-              <a:rPr lang="en" u="sng">
-                <a:solidFill>
-                  <a:schemeClr val="accent5"/>
-                </a:solidFill>
-                <a:hlinkClick r:id="rId3"/>
-              </a:rPr>
-              <a:t>https://conda.io/docs/user-guide/tasks/manage-environments.html</a:t>
+              <a:t/>
             </a:r>
             <a:endParaRPr/>
           </a:p>
@@ -8275,8 +8401,8 @@
         </p:nvSpPr>
         <p:spPr>
           <a:xfrm>
-            <a:off x="480750" y="1764950"/>
-            <a:ext cx="8222100" cy="907500"/>
+            <a:off x="387900" y="458025"/>
+            <a:ext cx="8368200" cy="686100"/>
           </a:xfrm>
           <a:prstGeom prst="rect">
             <a:avLst/>
@@ -8288,7 +8414,7 @@
           </a:bodyPr>
           <a:lstStyle/>
           <a:p>
-            <a:pPr indent="0" lvl="0" marL="0" rtl="0" algn="ctr">
+            <a:pPr indent="0" lvl="0" marL="0" rtl="0" algn="l">
               <a:spcBef>
                 <a:spcPts val="0"/>
               </a:spcBef>
@@ -8299,40 +8425,15 @@
             </a:pPr>
             <a:r>
               <a:rPr lang="en"/>
-              <a:t>Flask</a:t>
+              <a:t>Virtual Environment - Conda</a:t>
             </a:r>
             <a:endParaRPr/>
           </a:p>
         </p:txBody>
       </p:sp>
-    </p:spTree>
-  </p:cSld>
-  <p:clrMapOvr>
-    <a:masterClrMapping/>
-  </p:clrMapOvr>
-</p:sld>
-</file>
-
-<file path=ppt/slides/slide7.xml><?xml version="1.0" encoding="utf-8"?>
-<p:sld xmlns:a="http://schemas.openxmlformats.org/drawingml/2006/main" xmlns:r="http://schemas.openxmlformats.org/officeDocument/2006/relationships" xmlns:mc="http://schemas.openxmlformats.org/markup-compatibility/2006" xmlns:mv="urn:schemas-microsoft-com:mac:vml" xmlns:p="http://schemas.openxmlformats.org/presentationml/2006/main" xmlns:c="http://schemas.openxmlformats.org/drawingml/2006/chart" xmlns:dgm="http://schemas.openxmlformats.org/drawingml/2006/diagram" xmlns:o="urn:schemas-microsoft-com:office:office" xmlns:v="urn:schemas-microsoft-com:vml" xmlns:pvml="urn:schemas-microsoft-com:office:powerpoint" xmlns:com="http://schemas.openxmlformats.org/drawingml/2006/compatibility" xmlns:p14="http://schemas.microsoft.com/office/powerpoint/2010/main" xmlns:p15="http://schemas.microsoft.com/office/powerpoint/2012/main">
-  <p:cSld>
-    <p:spTree>
-      <p:nvGrpSpPr>
-        <p:cNvPr id="97" name="Shape 97"/>
-        <p:cNvGrpSpPr/>
-        <p:nvPr/>
-      </p:nvGrpSpPr>
-      <p:grpSpPr>
-        <a:xfrm>
-          <a:off x="0" y="0"/>
-          <a:ext cx="0" cy="0"/>
-          <a:chOff x="0" y="0"/>
-          <a:chExt cx="0" cy="0"/>
-        </a:xfrm>
-      </p:grpSpPr>
       <p:sp>
         <p:nvSpPr>
-          <p:cNvPr id="98" name="Google Shape;98;p19"/>
+          <p:cNvPr id="94" name="Google Shape;94;p18"/>
           <p:cNvSpPr txBox="1"/>
           <p:nvPr>
             <p:ph idx="1" type="body"/>
@@ -8353,41 +8454,182 @@
           </a:bodyPr>
           <a:lstStyle/>
           <a:p>
-            <a:pPr indent="-342900" lvl="0" marL="457200" rtl="0" algn="l">
-              <a:spcBef>
-                <a:spcPts val="0"/>
-              </a:spcBef>
-              <a:spcAft>
-                <a:spcPts val="0"/>
-              </a:spcAft>
-              <a:buSzPts val="1800"/>
-              <a:buChar char="●"/>
+            <a:pPr indent="0" lvl="0" marL="0" rtl="0" algn="l">
+              <a:spcBef>
+                <a:spcPts val="0"/>
+              </a:spcBef>
+              <a:spcAft>
+                <a:spcPts val="0"/>
+              </a:spcAft>
+              <a:buClr>
+                <a:srgbClr val="000000"/>
+              </a:buClr>
+              <a:buSzPts val="1100"/>
+              <a:buFont typeface="Arial"/>
+              <a:buNone/>
             </a:pPr>
             <a:r>
               <a:rPr lang="en"/>
-              <a:t>built-in development server and debugger</a:t>
+              <a:t>Conda command - conda create --name &lt;virtualenv name&gt;  python=&lt;version&gt;</a:t>
             </a:r>
             <a:endParaRPr/>
           </a:p>
           <a:p>
-            <a:pPr indent="-342900" lvl="0" marL="457200" rtl="0" algn="l">
-              <a:spcBef>
-                <a:spcPts val="0"/>
-              </a:spcBef>
-              <a:spcAft>
-                <a:spcPts val="0"/>
-              </a:spcAft>
-              <a:buSzPts val="1800"/>
-              <a:buChar char="●"/>
+            <a:pPr indent="0" lvl="0" marL="0" rtl="0" algn="l">
+              <a:spcBef>
+                <a:spcPts val="1600"/>
+              </a:spcBef>
+              <a:spcAft>
+                <a:spcPts val="0"/>
+              </a:spcAft>
+              <a:buClr>
+                <a:srgbClr val="000000"/>
+              </a:buClr>
+              <a:buSzPts val="1100"/>
+              <a:buFont typeface="Arial"/>
+              <a:buNone/>
             </a:pPr>
             <a:r>
               <a:rPr lang="en"/>
-              <a:t>integrated unit testing support</a:t>
+              <a:t>Example: conda create --name 3point6 python=3.6</a:t>
+            </a:r>
+            <a:endParaRPr/>
+          </a:p>
+          <a:p>
+            <a:pPr indent="0" lvl="0" marL="0" rtl="0" algn="l">
+              <a:spcBef>
+                <a:spcPts val="1600"/>
+              </a:spcBef>
+              <a:spcAft>
+                <a:spcPts val="0"/>
+              </a:spcAft>
+              <a:buNone/>
+            </a:pPr>
+            <a:r>
+              <a:rPr lang="en"/>
+              <a:t>Conda: </a:t>
+            </a:r>
+            <a:r>
+              <a:rPr lang="en" u="sng">
+                <a:solidFill>
+                  <a:schemeClr val="accent5"/>
+                </a:solidFill>
+                <a:hlinkClick r:id="rId3"/>
+              </a:rPr>
+              <a:t>https://conda.io/docs/user-guide/tasks/manage-environments.html</a:t>
+            </a:r>
+            <a:endParaRPr/>
+          </a:p>
+          <a:p>
+            <a:pPr indent="0" lvl="0" marL="0" rtl="0" algn="l">
+              <a:spcBef>
+                <a:spcPts val="1600"/>
+              </a:spcBef>
+              <a:spcAft>
+                <a:spcPts val="0"/>
+              </a:spcAft>
+              <a:buNone/>
+            </a:pPr>
+            <a:r>
+              <a:rPr lang="en"/>
+              <a:t>Activate environment: conda activate workshop</a:t>
+            </a:r>
+            <a:endParaRPr/>
+          </a:p>
+          <a:p>
+            <a:pPr indent="0" lvl="0" marL="0" rtl="0" algn="l">
+              <a:spcBef>
+                <a:spcPts val="1600"/>
+              </a:spcBef>
+              <a:spcAft>
+                <a:spcPts val="0"/>
+              </a:spcAft>
+              <a:buNone/>
+            </a:pPr>
+            <a:r>
+              <a:rPr lang="en"/>
+              <a:t>Deactivate: conda deactivate</a:t>
+            </a:r>
+            <a:endParaRPr/>
+          </a:p>
+          <a:p>
+            <a:pPr indent="0" lvl="0" marL="0" rtl="0" algn="l">
+              <a:spcBef>
+                <a:spcPts val="1600"/>
+              </a:spcBef>
+              <a:spcAft>
+                <a:spcPts val="0"/>
+              </a:spcAft>
+              <a:buNone/>
+            </a:pPr>
+            <a:r>
+              <a:rPr lang="en"/>
+              <a:t>Remove environment: conda env remove --name &lt;name&gt;</a:t>
+            </a:r>
+            <a:endParaRPr/>
+          </a:p>
+          <a:p>
+            <a:pPr indent="0" lvl="0" marL="0" rtl="0" algn="l">
+              <a:spcBef>
+                <a:spcPts val="1600"/>
+              </a:spcBef>
+              <a:spcAft>
+                <a:spcPts val="0"/>
+              </a:spcAft>
+              <a:buClr>
+                <a:srgbClr val="000000"/>
+              </a:buClr>
+              <a:buSzPts val="1100"/>
+              <a:buFont typeface="Arial"/>
+              <a:buNone/>
+            </a:pPr>
+            <a:r>
+              <a:t/>
+            </a:r>
+            <a:endParaRPr/>
+          </a:p>
+          <a:p>
+            <a:pPr indent="0" lvl="0" marL="0" rtl="0" algn="l">
+              <a:spcBef>
+                <a:spcPts val="1600"/>
+              </a:spcBef>
+              <a:spcAft>
+                <a:spcPts val="1600"/>
+              </a:spcAft>
+              <a:buNone/>
+            </a:pPr>
+            <a:r>
+              <a:t/>
             </a:r>
             <a:endParaRPr/>
           </a:p>
         </p:txBody>
       </p:sp>
+    </p:spTree>
+  </p:cSld>
+  <p:clrMapOvr>
+    <a:masterClrMapping/>
+  </p:clrMapOvr>
+</p:sld>
+</file>
+
+<file path=ppt/slides/slide7.xml><?xml version="1.0" encoding="utf-8"?>
+<p:sld xmlns:a="http://schemas.openxmlformats.org/drawingml/2006/main" xmlns:r="http://schemas.openxmlformats.org/officeDocument/2006/relationships" xmlns:mc="http://schemas.openxmlformats.org/markup-compatibility/2006" xmlns:mv="urn:schemas-microsoft-com:mac:vml" xmlns:p="http://schemas.openxmlformats.org/presentationml/2006/main" xmlns:c="http://schemas.openxmlformats.org/drawingml/2006/chart" xmlns:dgm="http://schemas.openxmlformats.org/drawingml/2006/diagram" xmlns:o="urn:schemas-microsoft-com:office:office" xmlns:v="urn:schemas-microsoft-com:vml" xmlns:pvml="urn:schemas-microsoft-com:office:powerpoint" xmlns:com="http://schemas.openxmlformats.org/drawingml/2006/compatibility" xmlns:p14="http://schemas.microsoft.com/office/powerpoint/2010/main" xmlns:p15="http://schemas.microsoft.com/office/powerpoint/2012/main">
+  <p:cSld>
+    <p:spTree>
+      <p:nvGrpSpPr>
+        <p:cNvPr id="98" name="Shape 98"/>
+        <p:cNvGrpSpPr/>
+        <p:nvPr/>
+      </p:nvGrpSpPr>
+      <p:grpSpPr>
+        <a:xfrm>
+          <a:off x="0" y="0"/>
+          <a:ext cx="0" cy="0"/>
+          <a:chOff x="0" y="0"/>
+          <a:chExt cx="0" cy="0"/>
+        </a:xfrm>
+      </p:grpSpPr>
       <p:sp>
         <p:nvSpPr>
           <p:cNvPr id="99" name="Google Shape;99;p19"/>
@@ -8398,8 +8640,8 @@
         </p:nvSpPr>
         <p:spPr>
           <a:xfrm>
-            <a:off x="387900" y="458025"/>
-            <a:ext cx="8368200" cy="686100"/>
+            <a:off x="480750" y="1764950"/>
+            <a:ext cx="8222100" cy="907500"/>
           </a:xfrm>
           <a:prstGeom prst="rect">
             <a:avLst/>
@@ -8411,7 +8653,7 @@
           </a:bodyPr>
           <a:lstStyle/>
           <a:p>
-            <a:pPr indent="0" lvl="0" marL="0" rtl="0" algn="l">
+            <a:pPr indent="0" lvl="0" marL="0" rtl="0" algn="ctr">
               <a:spcBef>
                 <a:spcPts val="0"/>
               </a:spcBef>
@@ -8422,16 +8664,7 @@
             </a:pPr>
             <a:r>
               <a:rPr lang="en"/>
-              <a:t>Flask - </a:t>
-            </a:r>
-            <a:r>
-              <a:rPr lang="en" sz="1800">
-                <a:latin typeface="Roboto"/>
-                <a:ea typeface="Roboto"/>
-                <a:cs typeface="Roboto"/>
-                <a:sym typeface="Roboto"/>
-              </a:rPr>
-              <a:t>A micro framework for Python</a:t>
+              <a:t>Flask</a:t>
             </a:r>
             <a:endParaRPr/>
           </a:p>
@@ -8467,6 +8700,64 @@
           <p:cNvPr id="104" name="Google Shape;104;p20"/>
           <p:cNvSpPr txBox="1"/>
           <p:nvPr>
+            <p:ph idx="1" type="body"/>
+          </p:nvPr>
+        </p:nvSpPr>
+        <p:spPr>
+          <a:xfrm>
+            <a:off x="387900" y="1489824"/>
+            <a:ext cx="8368200" cy="3078900"/>
+          </a:xfrm>
+          <a:prstGeom prst="rect">
+            <a:avLst/>
+          </a:prstGeom>
+        </p:spPr>
+        <p:txBody>
+          <a:bodyPr anchorCtr="0" anchor="t" bIns="91425" lIns="91425" spcFirstLastPara="1" rIns="91425" wrap="square" tIns="91425">
+            <a:noAutofit/>
+          </a:bodyPr>
+          <a:lstStyle/>
+          <a:p>
+            <a:pPr indent="-342900" lvl="0" marL="457200" rtl="0" algn="l">
+              <a:spcBef>
+                <a:spcPts val="0"/>
+              </a:spcBef>
+              <a:spcAft>
+                <a:spcPts val="0"/>
+              </a:spcAft>
+              <a:buSzPts val="1800"/>
+              <a:buChar char="●"/>
+            </a:pPr>
+            <a:r>
+              <a:rPr lang="en"/>
+              <a:t>built-in development server and debugger</a:t>
+            </a:r>
+            <a:endParaRPr/>
+          </a:p>
+          <a:p>
+            <a:pPr indent="-342900" lvl="0" marL="457200" rtl="0" algn="l">
+              <a:spcBef>
+                <a:spcPts val="0"/>
+              </a:spcBef>
+              <a:spcAft>
+                <a:spcPts val="0"/>
+              </a:spcAft>
+              <a:buSzPts val="1800"/>
+              <a:buChar char="●"/>
+            </a:pPr>
+            <a:r>
+              <a:rPr lang="en"/>
+              <a:t>integrated unit testing support</a:t>
+            </a:r>
+            <a:endParaRPr/>
+          </a:p>
+        </p:txBody>
+      </p:sp>
+      <p:sp>
+        <p:nvSpPr>
+          <p:cNvPr id="105" name="Google Shape;105;p20"/>
+          <p:cNvSpPr txBox="1"/>
+          <p:nvPr>
             <p:ph type="title"/>
           </p:nvPr>
         </p:nvSpPr>
@@ -8496,79 +8787,16 @@
             </a:pPr>
             <a:r>
               <a:rPr lang="en"/>
-              <a:t>Installation</a:t>
+              <a:t>Flask - </a:t>
             </a:r>
-            <a:endParaRPr/>
-          </a:p>
-        </p:txBody>
-      </p:sp>
-      <p:sp>
-        <p:nvSpPr>
-          <p:cNvPr id="105" name="Google Shape;105;p20"/>
-          <p:cNvSpPr txBox="1"/>
-          <p:nvPr>
-            <p:ph idx="1" type="body"/>
-          </p:nvPr>
-        </p:nvSpPr>
-        <p:spPr>
-          <a:xfrm>
-            <a:off x="387900" y="1489824"/>
-            <a:ext cx="8368200" cy="3078900"/>
-          </a:xfrm>
-          <a:prstGeom prst="rect">
-            <a:avLst/>
-          </a:prstGeom>
-        </p:spPr>
-        <p:txBody>
-          <a:bodyPr anchorCtr="0" anchor="t" bIns="91425" lIns="91425" spcFirstLastPara="1" rIns="91425" wrap="square" tIns="91425">
-            <a:noAutofit/>
-          </a:bodyPr>
-          <a:lstStyle/>
-          <a:p>
-            <a:pPr indent="0" lvl="0" marL="0" rtl="0" algn="l">
-              <a:spcBef>
-                <a:spcPts val="0"/>
-              </a:spcBef>
-              <a:spcAft>
-                <a:spcPts val="0"/>
-              </a:spcAft>
-              <a:buNone/>
-            </a:pPr>
             <a:r>
-              <a:rPr lang="en"/>
-              <a:t>pip install flask </a:t>
-            </a:r>
-            <a:endParaRPr/>
-          </a:p>
-          <a:p>
-            <a:pPr indent="0" lvl="0" marL="0" rtl="0" algn="l">
-              <a:spcBef>
-                <a:spcPts val="1600"/>
-              </a:spcBef>
-              <a:spcAft>
-                <a:spcPts val="0"/>
-              </a:spcAft>
-              <a:buNone/>
-            </a:pPr>
-            <a:r>
-              <a:rPr lang="en"/>
-              <a:t>or </a:t>
-            </a:r>
-            <a:endParaRPr/>
-          </a:p>
-          <a:p>
-            <a:pPr indent="0" lvl="0" marL="0" rtl="0" algn="l">
-              <a:spcBef>
-                <a:spcPts val="1600"/>
-              </a:spcBef>
-              <a:spcAft>
-                <a:spcPts val="1600"/>
-              </a:spcAft>
-              <a:buNone/>
-            </a:pPr>
-            <a:r>
-              <a:rPr lang="en"/>
-              <a:t>conda install flask</a:t>
+              <a:rPr lang="en" sz="1800">
+                <a:latin typeface="Roboto"/>
+                <a:ea typeface="Roboto"/>
+                <a:cs typeface="Roboto"/>
+                <a:sym typeface="Roboto"/>
+              </a:rPr>
+              <a:t>A micro framework for Python</a:t>
             </a:r>
             <a:endParaRPr/>
           </a:p>
@@ -8599,37 +8827,9 @@
           <a:chExt cx="0" cy="0"/>
         </a:xfrm>
       </p:grpSpPr>
-      <p:pic>
-        <p:nvPicPr>
-          <p:cNvPr id="110" name="Google Shape;110;p21"/>
-          <p:cNvPicPr preferRelativeResize="0"/>
-          <p:nvPr/>
-        </p:nvPicPr>
-        <p:blipFill>
-          <a:blip r:embed="rId3">
-            <a:alphaModFix/>
-          </a:blip>
-          <a:stretch>
-            <a:fillRect/>
-          </a:stretch>
-        </p:blipFill>
-        <p:spPr>
-          <a:xfrm>
-            <a:off x="216550" y="1112000"/>
-            <a:ext cx="8839201" cy="3411621"/>
-          </a:xfrm>
-          <a:prstGeom prst="rect">
-            <a:avLst/>
-          </a:prstGeom>
-          <a:noFill/>
-          <a:ln>
-            <a:noFill/>
-          </a:ln>
-        </p:spPr>
-      </p:pic>
       <p:sp>
         <p:nvSpPr>
-          <p:cNvPr id="111" name="Google Shape;111;p21"/>
+          <p:cNvPr id="110" name="Google Shape;110;p21"/>
           <p:cNvSpPr txBox="1"/>
           <p:nvPr>
             <p:ph type="title"/>
@@ -8637,7 +8837,7 @@
         </p:nvSpPr>
         <p:spPr>
           <a:xfrm>
-            <a:off x="304800" y="149175"/>
+            <a:off x="387900" y="458025"/>
             <a:ext cx="8368200" cy="686100"/>
           </a:xfrm>
           <a:prstGeom prst="rect">
@@ -8661,7 +8861,79 @@
             </a:pPr>
             <a:r>
               <a:rPr lang="en"/>
-              <a:t>Example Architecture</a:t>
+              <a:t>Installation</a:t>
+            </a:r>
+            <a:endParaRPr/>
+          </a:p>
+        </p:txBody>
+      </p:sp>
+      <p:sp>
+        <p:nvSpPr>
+          <p:cNvPr id="111" name="Google Shape;111;p21"/>
+          <p:cNvSpPr txBox="1"/>
+          <p:nvPr>
+            <p:ph idx="1" type="body"/>
+          </p:nvPr>
+        </p:nvSpPr>
+        <p:spPr>
+          <a:xfrm>
+            <a:off x="387900" y="1489824"/>
+            <a:ext cx="8368200" cy="3078900"/>
+          </a:xfrm>
+          <a:prstGeom prst="rect">
+            <a:avLst/>
+          </a:prstGeom>
+        </p:spPr>
+        <p:txBody>
+          <a:bodyPr anchorCtr="0" anchor="t" bIns="91425" lIns="91425" spcFirstLastPara="1" rIns="91425" wrap="square" tIns="91425">
+            <a:noAutofit/>
+          </a:bodyPr>
+          <a:lstStyle/>
+          <a:p>
+            <a:pPr indent="0" lvl="0" marL="0" rtl="0" algn="l">
+              <a:spcBef>
+                <a:spcPts val="0"/>
+              </a:spcBef>
+              <a:spcAft>
+                <a:spcPts val="0"/>
+              </a:spcAft>
+              <a:buNone/>
+            </a:pPr>
+            <a:r>
+              <a:rPr lang="en"/>
+              <a:t>pip install flask </a:t>
+            </a:r>
+            <a:endParaRPr/>
+          </a:p>
+          <a:p>
+            <a:pPr indent="0" lvl="0" marL="0" rtl="0" algn="l">
+              <a:spcBef>
+                <a:spcPts val="1600"/>
+              </a:spcBef>
+              <a:spcAft>
+                <a:spcPts val="0"/>
+              </a:spcAft>
+              <a:buNone/>
+            </a:pPr>
+            <a:r>
+              <a:rPr lang="en"/>
+              <a:t>or </a:t>
+            </a:r>
+            <a:endParaRPr/>
+          </a:p>
+          <a:p>
+            <a:pPr indent="0" lvl="0" marL="0" rtl="0" algn="l">
+              <a:spcBef>
+                <a:spcPts val="1600"/>
+              </a:spcBef>
+              <a:spcAft>
+                <a:spcPts val="1600"/>
+              </a:spcAft>
+              <a:buNone/>
+            </a:pPr>
+            <a:r>
+              <a:rPr lang="en"/>
+              <a:t>conda install flask</a:t>
             </a:r>
             <a:endParaRPr/>
           </a:p>
@@ -8676,6 +8948,285 @@
 </file>
 
 <file path=ppt/theme/theme1.xml><?xml version="1.0" encoding="utf-8"?>
+<a:theme xmlns:a="http://schemas.openxmlformats.org/drawingml/2006/main" xmlns:r="http://schemas.openxmlformats.org/officeDocument/2006/relationships">
+  <a:themeElements>
+    <a:clrScheme name="Default">
+      <a:dk1>
+        <a:srgbClr val="000000"/>
+      </a:dk1>
+      <a:lt1>
+        <a:srgbClr val="FFFFFF"/>
+      </a:lt1>
+      <a:dk2>
+        <a:srgbClr val="158158"/>
+      </a:dk2>
+      <a:lt2>
+        <a:srgbClr val="F3F3F3"/>
+      </a:lt2>
+      <a:accent1>
+        <a:srgbClr val="058DC7"/>
+      </a:accent1>
+      <a:accent2>
+        <a:srgbClr val="50B432"/>
+      </a:accent2>
+      <a:accent3>
+        <a:srgbClr val="ED561B"/>
+      </a:accent3>
+      <a:accent4>
+        <a:srgbClr val="EDEF00"/>
+      </a:accent4>
+      <a:accent5>
+        <a:srgbClr val="24CBE5"/>
+      </a:accent5>
+      <a:accent6>
+        <a:srgbClr val="64E572"/>
+      </a:accent6>
+      <a:hlink>
+        <a:srgbClr val="2200CC"/>
+      </a:hlink>
+      <a:folHlink>
+        <a:srgbClr val="551A8B"/>
+      </a:folHlink>
+    </a:clrScheme>
+    <a:fontScheme name="Office">
+      <a:majorFont>
+        <a:latin typeface="Arial"/>
+        <a:ea typeface=""/>
+        <a:cs typeface=""/>
+        <a:font script="Jpan" typeface="ＭＳ Ｐゴシック"/>
+        <a:font script="Hang" typeface="맑은 고딕"/>
+        <a:font script="Hans" typeface="宋体"/>
+        <a:font script="Hant" typeface="新細明體"/>
+        <a:font script="Arab" typeface="Times New Roman"/>
+        <a:font script="Hebr" typeface="Times New Roman"/>
+        <a:font script="Thai" typeface="Angsana New"/>
+        <a:font script="Ethi" typeface="Nyala"/>
+        <a:font script="Beng" typeface="Vrinda"/>
+        <a:font script="Gujr" typeface="Shruti"/>
+        <a:font script="Khmr" typeface="MoolBoran"/>
+        <a:font script="Knda" typeface="Tunga"/>
+        <a:font script="Guru" typeface="Raavi"/>
+        <a:font script="Cans" typeface="Euphemia"/>
+        <a:font script="Cher" typeface="Plantagenet Cherokee"/>
+        <a:font script="Yiii" typeface="Microsoft Yi Baiti"/>
+        <a:font script="Tibt" typeface="Microsoft Himalaya"/>
+        <a:font script="Thaa" typeface="MV Boli"/>
+        <a:font script="Deva" typeface="Mangal"/>
+        <a:font script="Telu" typeface="Gautami"/>
+        <a:font script="Taml" typeface="Latha"/>
+        <a:font script="Syrc" typeface="Estrangelo Edessa"/>
+        <a:font script="Orya" typeface="Kalinga"/>
+        <a:font script="Mlym" typeface="Kartika"/>
+        <a:font script="Laoo" typeface="DokChampa"/>
+        <a:font script="Sinh" typeface="Iskoola Pota"/>
+        <a:font script="Mong" typeface="Mongolian Baiti"/>
+        <a:font script="Viet" typeface="Times New Roman"/>
+        <a:font script="Uigh" typeface="Microsoft Uighur"/>
+        <a:font script="Geor" typeface="Sylfaen"/>
+      </a:majorFont>
+      <a:minorFont>
+        <a:latin typeface="Arial"/>
+        <a:ea typeface=""/>
+        <a:cs typeface=""/>
+        <a:font script="Jpan" typeface="ＭＳ Ｐゴシック"/>
+        <a:font script="Hang" typeface="맑은 고딕"/>
+        <a:font script="Hans" typeface="宋体"/>
+        <a:font script="Hant" typeface="新細明體"/>
+        <a:font script="Arab" typeface="Arial"/>
+        <a:font script="Hebr" typeface="Arial"/>
+        <a:font script="Thai" typeface="Cordia New"/>
+        <a:font script="Ethi" typeface="Nyala"/>
+        <a:font script="Beng" typeface="Vrinda"/>
+        <a:font script="Gujr" typeface="Shruti"/>
+        <a:font script="Khmr" typeface="DaunPenh"/>
+        <a:font script="Knda" typeface="Tunga"/>
+        <a:font script="Guru" typeface="Raavi"/>
+        <a:font script="Cans" typeface="Euphemia"/>
+        <a:font script="Cher" typeface="Plantagenet Cherokee"/>
+        <a:font script="Yiii" typeface="Microsoft Yi Baiti"/>
+        <a:font script="Tibt" typeface="Microsoft Himalaya"/>
+        <a:font script="Thaa" typeface="MV Boli"/>
+        <a:font script="Deva" typeface="Mangal"/>
+        <a:font script="Telu" typeface="Gautami"/>
+        <a:font script="Taml" typeface="Latha"/>
+        <a:font script="Syrc" typeface="Estrangelo Edessa"/>
+        <a:font script="Orya" typeface="Kalinga"/>
+        <a:font script="Mlym" typeface="Kartika"/>
+        <a:font script="Laoo" typeface="DokChampa"/>
+        <a:font script="Sinh" typeface="Iskoola Pota"/>
+        <a:font script="Mong" typeface="Mongolian Baiti"/>
+        <a:font script="Viet" typeface="Arial"/>
+        <a:font script="Uigh" typeface="Microsoft Uighur"/>
+        <a:font script="Geor" typeface="Sylfaen"/>
+      </a:minorFont>
+    </a:fontScheme>
+    <a:fmtScheme name="Office">
+      <a:fillStyleLst>
+        <a:solidFill>
+          <a:schemeClr val="phClr"/>
+        </a:solidFill>
+        <a:gradFill rotWithShape="1">
+          <a:gsLst>
+            <a:gs pos="0">
+              <a:schemeClr val="phClr">
+                <a:tint val="50000"/>
+                <a:satMod val="300000"/>
+              </a:schemeClr>
+            </a:gs>
+            <a:gs pos="35000">
+              <a:schemeClr val="phClr">
+                <a:tint val="37000"/>
+                <a:satMod val="300000"/>
+              </a:schemeClr>
+            </a:gs>
+            <a:gs pos="100000">
+              <a:schemeClr val="phClr">
+                <a:tint val="15000"/>
+                <a:satMod val="350000"/>
+              </a:schemeClr>
+            </a:gs>
+          </a:gsLst>
+          <a:lin ang="16200000" scaled="1"/>
+        </a:gradFill>
+        <a:gradFill rotWithShape="1">
+          <a:gsLst>
+            <a:gs pos="0">
+              <a:schemeClr val="phClr">
+                <a:tint val="100000"/>
+                <a:shade val="100000"/>
+                <a:satMod val="130000"/>
+              </a:schemeClr>
+            </a:gs>
+            <a:gs pos="100000">
+              <a:schemeClr val="phClr">
+                <a:tint val="50000"/>
+                <a:shade val="100000"/>
+                <a:satMod val="350000"/>
+              </a:schemeClr>
+            </a:gs>
+          </a:gsLst>
+          <a:lin ang="16200000" scaled="0"/>
+        </a:gradFill>
+      </a:fillStyleLst>
+      <a:lnStyleLst>
+        <a:ln w="9525" cap="flat" cmpd="sng" algn="ctr">
+          <a:solidFill>
+            <a:schemeClr val="phClr">
+              <a:shade val="95000"/>
+              <a:satMod val="105000"/>
+            </a:schemeClr>
+          </a:solidFill>
+          <a:prstDash val="solid"/>
+        </a:ln>
+        <a:ln w="25400" cap="flat" cmpd="sng" algn="ctr">
+          <a:solidFill>
+            <a:schemeClr val="phClr"/>
+          </a:solidFill>
+          <a:prstDash val="solid"/>
+        </a:ln>
+        <a:ln w="38100" cap="flat" cmpd="sng" algn="ctr">
+          <a:solidFill>
+            <a:schemeClr val="phClr"/>
+          </a:solidFill>
+          <a:prstDash val="solid"/>
+        </a:ln>
+      </a:lnStyleLst>
+      <a:effectStyleLst>
+        <a:effectStyle>
+          <a:effectLst>
+            <a:outerShdw blurRad="40000" dist="20000" dir="5400000" rotWithShape="0">
+              <a:srgbClr val="000000">
+                <a:alpha val="38000"/>
+              </a:srgbClr>
+            </a:outerShdw>
+          </a:effectLst>
+        </a:effectStyle>
+        <a:effectStyle>
+          <a:effectLst>
+            <a:outerShdw blurRad="40000" dist="23000" dir="5400000" rotWithShape="0">
+              <a:srgbClr val="000000">
+                <a:alpha val="35000"/>
+              </a:srgbClr>
+            </a:outerShdw>
+          </a:effectLst>
+        </a:effectStyle>
+        <a:effectStyle>
+          <a:effectLst>
+            <a:outerShdw blurRad="40000" dist="23000" dir="5400000" rotWithShape="0">
+              <a:srgbClr val="000000">
+                <a:alpha val="35000"/>
+              </a:srgbClr>
+            </a:outerShdw>
+          </a:effectLst>
+          <a:scene3d>
+            <a:camera prst="orthographicFront">
+              <a:rot lat="0" lon="0" rev="0"/>
+            </a:camera>
+            <a:lightRig rig="threePt" dir="t">
+              <a:rot lat="0" lon="0" rev="1200000"/>
+            </a:lightRig>
+          </a:scene3d>
+          <a:sp3d>
+            <a:bevelT w="63500" h="25400"/>
+          </a:sp3d>
+        </a:effectStyle>
+      </a:effectStyleLst>
+      <a:bgFillStyleLst>
+        <a:solidFill>
+          <a:schemeClr val="phClr"/>
+        </a:solidFill>
+        <a:gradFill rotWithShape="1">
+          <a:gsLst>
+            <a:gs pos="0">
+              <a:schemeClr val="phClr">
+                <a:tint val="40000"/>
+                <a:satMod val="350000"/>
+              </a:schemeClr>
+            </a:gs>
+            <a:gs pos="40000">
+              <a:schemeClr val="phClr">
+                <a:tint val="45000"/>
+                <a:shade val="99000"/>
+                <a:satMod val="350000"/>
+              </a:schemeClr>
+            </a:gs>
+            <a:gs pos="100000">
+              <a:schemeClr val="phClr">
+                <a:shade val="20000"/>
+                <a:satMod val="255000"/>
+              </a:schemeClr>
+            </a:gs>
+          </a:gsLst>
+          <a:path path="circle">
+            <a:fillToRect l="50000" t="-80000" r="50000" b="180000"/>
+          </a:path>
+        </a:gradFill>
+        <a:gradFill rotWithShape="1">
+          <a:gsLst>
+            <a:gs pos="0">
+              <a:schemeClr val="phClr">
+                <a:tint val="80000"/>
+                <a:satMod val="300000"/>
+              </a:schemeClr>
+            </a:gs>
+            <a:gs pos="100000">
+              <a:schemeClr val="phClr">
+                <a:shade val="30000"/>
+                <a:satMod val="200000"/>
+              </a:schemeClr>
+            </a:gs>
+          </a:gsLst>
+          <a:path path="circle">
+            <a:fillToRect l="50000" t="50000" r="50000" b="50000"/>
+          </a:path>
+        </a:gradFill>
+      </a:bgFillStyleLst>
+    </a:fmtScheme>
+  </a:themeElements>
+</a:theme>
+</file>
+
+<file path=ppt/theme/theme2.xml><?xml version="1.0" encoding="utf-8"?>
 <a:theme xmlns:a="http://schemas.openxmlformats.org/drawingml/2006/main" xmlns:r="http://schemas.openxmlformats.org/officeDocument/2006/relationships" name="Marina">
   <a:themeElements>
     <a:clrScheme name="Marina">
@@ -8952,283 +9503,4 @@
     </a:fmtScheme>
   </a:themeElements>
 </a:theme>
-</file>
-
-<file path=ppt/theme/theme2.xml><?xml version="1.0" encoding="utf-8"?>
-<a:theme xmlns:a="http://schemas.openxmlformats.org/drawingml/2006/main" xmlns:r="http://schemas.openxmlformats.org/officeDocument/2006/relationships">
-  <a:themeElements>
-    <a:clrScheme name="Default">
-      <a:dk1>
-        <a:srgbClr val="000000"/>
-      </a:dk1>
-      <a:lt1>
-        <a:srgbClr val="FFFFFF"/>
-      </a:lt1>
-      <a:dk2>
-        <a:srgbClr val="158158"/>
-      </a:dk2>
-      <a:lt2>
-        <a:srgbClr val="F3F3F3"/>
-      </a:lt2>
-      <a:accent1>
-        <a:srgbClr val="058DC7"/>
-      </a:accent1>
-      <a:accent2>
-        <a:srgbClr val="50B432"/>
-      </a:accent2>
-      <a:accent3>
-        <a:srgbClr val="ED561B"/>
-      </a:accent3>
-      <a:accent4>
-        <a:srgbClr val="EDEF00"/>
-      </a:accent4>
-      <a:accent5>
-        <a:srgbClr val="24CBE5"/>
-      </a:accent5>
-      <a:accent6>
-        <a:srgbClr val="64E572"/>
-      </a:accent6>
-      <a:hlink>
-        <a:srgbClr val="2200CC"/>
-      </a:hlink>
-      <a:folHlink>
-        <a:srgbClr val="551A8B"/>
-      </a:folHlink>
-    </a:clrScheme>
-    <a:fontScheme name="Office">
-      <a:majorFont>
-        <a:latin typeface="Arial"/>
-        <a:ea typeface=""/>
-        <a:cs typeface=""/>
-        <a:font script="Jpan" typeface="ＭＳ Ｐゴシック"/>
-        <a:font script="Hang" typeface="맑은 고딕"/>
-        <a:font script="Hans" typeface="宋体"/>
-        <a:font script="Hant" typeface="新細明體"/>
-        <a:font script="Arab" typeface="Times New Roman"/>
-        <a:font script="Hebr" typeface="Times New Roman"/>
-        <a:font script="Thai" typeface="Angsana New"/>
-        <a:font script="Ethi" typeface="Nyala"/>
-        <a:font script="Beng" typeface="Vrinda"/>
-        <a:font script="Gujr" typeface="Shruti"/>
-        <a:font script="Khmr" typeface="MoolBoran"/>
-        <a:font script="Knda" typeface="Tunga"/>
-        <a:font script="Guru" typeface="Raavi"/>
-        <a:font script="Cans" typeface="Euphemia"/>
-        <a:font script="Cher" typeface="Plantagenet Cherokee"/>
-        <a:font script="Yiii" typeface="Microsoft Yi Baiti"/>
-        <a:font script="Tibt" typeface="Microsoft Himalaya"/>
-        <a:font script="Thaa" typeface="MV Boli"/>
-        <a:font script="Deva" typeface="Mangal"/>
-        <a:font script="Telu" typeface="Gautami"/>
-        <a:font script="Taml" typeface="Latha"/>
-        <a:font script="Syrc" typeface="Estrangelo Edessa"/>
-        <a:font script="Orya" typeface="Kalinga"/>
-        <a:font script="Mlym" typeface="Kartika"/>
-        <a:font script="Laoo" typeface="DokChampa"/>
-        <a:font script="Sinh" typeface="Iskoola Pota"/>
-        <a:font script="Mong" typeface="Mongolian Baiti"/>
-        <a:font script="Viet" typeface="Times New Roman"/>
-        <a:font script="Uigh" typeface="Microsoft Uighur"/>
-        <a:font script="Geor" typeface="Sylfaen"/>
-      </a:majorFont>
-      <a:minorFont>
-        <a:latin typeface="Arial"/>
-        <a:ea typeface=""/>
-        <a:cs typeface=""/>
-        <a:font script="Jpan" typeface="ＭＳ Ｐゴシック"/>
-        <a:font script="Hang" typeface="맑은 고딕"/>
-        <a:font script="Hans" typeface="宋体"/>
-        <a:font script="Hant" typeface="新細明體"/>
-        <a:font script="Arab" typeface="Arial"/>
-        <a:font script="Hebr" typeface="Arial"/>
-        <a:font script="Thai" typeface="Cordia New"/>
-        <a:font script="Ethi" typeface="Nyala"/>
-        <a:font script="Beng" typeface="Vrinda"/>
-        <a:font script="Gujr" typeface="Shruti"/>
-        <a:font script="Khmr" typeface="DaunPenh"/>
-        <a:font script="Knda" typeface="Tunga"/>
-        <a:font script="Guru" typeface="Raavi"/>
-        <a:font script="Cans" typeface="Euphemia"/>
-        <a:font script="Cher" typeface="Plantagenet Cherokee"/>
-        <a:font script="Yiii" typeface="Microsoft Yi Baiti"/>
-        <a:font script="Tibt" typeface="Microsoft Himalaya"/>
-        <a:font script="Thaa" typeface="MV Boli"/>
-        <a:font script="Deva" typeface="Mangal"/>
-        <a:font script="Telu" typeface="Gautami"/>
-        <a:font script="Taml" typeface="Latha"/>
-        <a:font script="Syrc" typeface="Estrangelo Edessa"/>
-        <a:font script="Orya" typeface="Kalinga"/>
-        <a:font script="Mlym" typeface="Kartika"/>
-        <a:font script="Laoo" typeface="DokChampa"/>
-        <a:font script="Sinh" typeface="Iskoola Pota"/>
-        <a:font script="Mong" typeface="Mongolian Baiti"/>
-        <a:font script="Viet" typeface="Arial"/>
-        <a:font script="Uigh" typeface="Microsoft Uighur"/>
-        <a:font script="Geor" typeface="Sylfaen"/>
-      </a:minorFont>
-    </a:fontScheme>
-    <a:fmtScheme name="Office">
-      <a:fillStyleLst>
-        <a:solidFill>
-          <a:schemeClr val="phClr"/>
-        </a:solidFill>
-        <a:gradFill rotWithShape="1">
-          <a:gsLst>
-            <a:gs pos="0">
-              <a:schemeClr val="phClr">
-                <a:tint val="50000"/>
-                <a:satMod val="300000"/>
-              </a:schemeClr>
-            </a:gs>
-            <a:gs pos="35000">
-              <a:schemeClr val="phClr">
-                <a:tint val="37000"/>
-                <a:satMod val="300000"/>
-              </a:schemeClr>
-            </a:gs>
-            <a:gs pos="100000">
-              <a:schemeClr val="phClr">
-                <a:tint val="15000"/>
-                <a:satMod val="350000"/>
-              </a:schemeClr>
-            </a:gs>
-          </a:gsLst>
-          <a:lin ang="16200000" scaled="1"/>
-        </a:gradFill>
-        <a:gradFill rotWithShape="1">
-          <a:gsLst>
-            <a:gs pos="0">
-              <a:schemeClr val="phClr">
-                <a:tint val="100000"/>
-                <a:shade val="100000"/>
-                <a:satMod val="130000"/>
-              </a:schemeClr>
-            </a:gs>
-            <a:gs pos="100000">
-              <a:schemeClr val="phClr">
-                <a:tint val="50000"/>
-                <a:shade val="100000"/>
-                <a:satMod val="350000"/>
-              </a:schemeClr>
-            </a:gs>
-          </a:gsLst>
-          <a:lin ang="16200000" scaled="0"/>
-        </a:gradFill>
-      </a:fillStyleLst>
-      <a:lnStyleLst>
-        <a:ln w="9525" cap="flat" cmpd="sng" algn="ctr">
-          <a:solidFill>
-            <a:schemeClr val="phClr">
-              <a:shade val="95000"/>
-              <a:satMod val="105000"/>
-            </a:schemeClr>
-          </a:solidFill>
-          <a:prstDash val="solid"/>
-        </a:ln>
-        <a:ln w="25400" cap="flat" cmpd="sng" algn="ctr">
-          <a:solidFill>
-            <a:schemeClr val="phClr"/>
-          </a:solidFill>
-          <a:prstDash val="solid"/>
-        </a:ln>
-        <a:ln w="38100" cap="flat" cmpd="sng" algn="ctr">
-          <a:solidFill>
-            <a:schemeClr val="phClr"/>
-          </a:solidFill>
-          <a:prstDash val="solid"/>
-        </a:ln>
-      </a:lnStyleLst>
-      <a:effectStyleLst>
-        <a:effectStyle>
-          <a:effectLst>
-            <a:outerShdw blurRad="40000" dist="20000" dir="5400000" rotWithShape="0">
-              <a:srgbClr val="000000">
-                <a:alpha val="38000"/>
-              </a:srgbClr>
-            </a:outerShdw>
-          </a:effectLst>
-        </a:effectStyle>
-        <a:effectStyle>
-          <a:effectLst>
-            <a:outerShdw blurRad="40000" dist="23000" dir="5400000" rotWithShape="0">
-              <a:srgbClr val="000000">
-                <a:alpha val="35000"/>
-              </a:srgbClr>
-            </a:outerShdw>
-          </a:effectLst>
-        </a:effectStyle>
-        <a:effectStyle>
-          <a:effectLst>
-            <a:outerShdw blurRad="40000" dist="23000" dir="5400000" rotWithShape="0">
-              <a:srgbClr val="000000">
-                <a:alpha val="35000"/>
-              </a:srgbClr>
-            </a:outerShdw>
-          </a:effectLst>
-          <a:scene3d>
-            <a:camera prst="orthographicFront">
-              <a:rot lat="0" lon="0" rev="0"/>
-            </a:camera>
-            <a:lightRig rig="threePt" dir="t">
-              <a:rot lat="0" lon="0" rev="1200000"/>
-            </a:lightRig>
-          </a:scene3d>
-          <a:sp3d>
-            <a:bevelT w="63500" h="25400"/>
-          </a:sp3d>
-        </a:effectStyle>
-      </a:effectStyleLst>
-      <a:bgFillStyleLst>
-        <a:solidFill>
-          <a:schemeClr val="phClr"/>
-        </a:solidFill>
-        <a:gradFill rotWithShape="1">
-          <a:gsLst>
-            <a:gs pos="0">
-              <a:schemeClr val="phClr">
-                <a:tint val="40000"/>
-                <a:satMod val="350000"/>
-              </a:schemeClr>
-            </a:gs>
-            <a:gs pos="40000">
-              <a:schemeClr val="phClr">
-                <a:tint val="45000"/>
-                <a:shade val="99000"/>
-                <a:satMod val="350000"/>
-              </a:schemeClr>
-            </a:gs>
-            <a:gs pos="100000">
-              <a:schemeClr val="phClr">
-                <a:shade val="20000"/>
-                <a:satMod val="255000"/>
-              </a:schemeClr>
-            </a:gs>
-          </a:gsLst>
-          <a:path path="circle">
-            <a:fillToRect l="50000" t="-80000" r="50000" b="180000"/>
-          </a:path>
-        </a:gradFill>
-        <a:gradFill rotWithShape="1">
-          <a:gsLst>
-            <a:gs pos="0">
-              <a:schemeClr val="phClr">
-                <a:tint val="80000"/>
-                <a:satMod val="300000"/>
-              </a:schemeClr>
-            </a:gs>
-            <a:gs pos="100000">
-              <a:schemeClr val="phClr">
-                <a:shade val="30000"/>
-                <a:satMod val="200000"/>
-              </a:schemeClr>
-            </a:gs>
-          </a:gsLst>
-          <a:path path="circle">
-            <a:fillToRect l="50000" t="50000" r="50000" b="50000"/>
-          </a:path>
-        </a:gradFill>
-      </a:bgFillStyleLst>
-    </a:fmtScheme>
-  </a:themeElements>
-</a:theme>
 </file>